--- a/Python_Basics/Anagram/images.pptx
+++ b/Python_Basics/Anagram/images.pptx
@@ -7,9 +7,10 @@
   <p:sldIdLst>
     <p:sldId id="256" r:id="rId2"/>
     <p:sldId id="260" r:id="rId3"/>
-    <p:sldId id="257" r:id="rId4"/>
-    <p:sldId id="258" r:id="rId5"/>
-    <p:sldId id="259" r:id="rId6"/>
+    <p:sldId id="261" r:id="rId4"/>
+    <p:sldId id="257" r:id="rId5"/>
+    <p:sldId id="258" r:id="rId6"/>
+    <p:sldId id="259" r:id="rId7"/>
   </p:sldIdLst>
   <p:sldSz cx="12192000" cy="6858000"/>
   <p:notesSz cx="6858000" cy="9144000"/>
@@ -3096,21 +3097,21 @@
       </p:grpSpPr>
       <p:grpSp>
         <p:nvGrpSpPr>
-          <p:cNvPr id="3" name="Group 2"/>
+          <p:cNvPr id="9" name="Group 8"/>
           <p:cNvGrpSpPr/>
           <p:nvPr/>
         </p:nvGrpSpPr>
         <p:grpSpPr>
           <a:xfrm>
-            <a:off x="2701926" y="1543050"/>
-            <a:ext cx="7175500" cy="2501900"/>
-            <a:chOff x="2701926" y="1543050"/>
-            <a:chExt cx="7175500" cy="2501900"/>
+            <a:off x="3132140" y="1858963"/>
+            <a:ext cx="7023100" cy="2540000"/>
+            <a:chOff x="3132140" y="1858963"/>
+            <a:chExt cx="7023100" cy="2540000"/>
           </a:xfrm>
         </p:grpSpPr>
         <p:pic>
           <p:nvPicPr>
-            <p:cNvPr id="2" name="Picture 1"/>
+            <p:cNvPr id="7" name="Picture 6"/>
             <p:cNvPicPr>
               <a:picLocks noChangeAspect="1"/>
             </p:cNvPicPr>
@@ -3130,8 +3131,8 @@
           </p:blipFill>
           <p:spPr>
             <a:xfrm>
-              <a:off x="2701926" y="1543050"/>
-              <a:ext cx="7175500" cy="2501900"/>
+              <a:off x="3132140" y="1858963"/>
+              <a:ext cx="7023100" cy="2540000"/>
             </a:xfrm>
             <a:prstGeom prst="rect">
               <a:avLst/>
@@ -3146,8 +3147,8 @@
           </p:nvSpPr>
           <p:spPr>
             <a:xfrm>
-              <a:off x="3132140" y="2427288"/>
-              <a:ext cx="6716710" cy="701675"/>
+              <a:off x="3575893" y="2750017"/>
+              <a:ext cx="6579347" cy="701675"/>
             </a:xfrm>
             <a:prstGeom prst="rect">
               <a:avLst/>
@@ -3199,6 +3200,127 @@
 </file>
 
 <file path=ppt/slides/slide3.xml><?xml version="1.0" encoding="utf-8"?>
+<p:sld xmlns:a="http://schemas.openxmlformats.org/drawingml/2006/main" xmlns:r="http://schemas.openxmlformats.org/officeDocument/2006/relationships" xmlns:p="http://schemas.openxmlformats.org/presentationml/2006/main">
+  <p:cSld>
+    <p:spTree>
+      <p:nvGrpSpPr>
+        <p:cNvPr id="1" name=""/>
+        <p:cNvGrpSpPr/>
+        <p:nvPr/>
+      </p:nvGrpSpPr>
+      <p:grpSpPr>
+        <a:xfrm>
+          <a:off x="0" y="0"/>
+          <a:ext cx="0" cy="0"/>
+          <a:chOff x="0" y="0"/>
+          <a:chExt cx="0" cy="0"/>
+        </a:xfrm>
+      </p:grpSpPr>
+      <p:grpSp>
+        <p:nvGrpSpPr>
+          <p:cNvPr id="6" name="Group 5"/>
+          <p:cNvGrpSpPr/>
+          <p:nvPr/>
+        </p:nvGrpSpPr>
+        <p:grpSpPr>
+          <a:xfrm>
+            <a:off x="2867026" y="1003001"/>
+            <a:ext cx="6845300" cy="3352800"/>
+            <a:chOff x="2867026" y="1003001"/>
+            <a:chExt cx="6845300" cy="3352800"/>
+          </a:xfrm>
+        </p:grpSpPr>
+        <p:pic>
+          <p:nvPicPr>
+            <p:cNvPr id="4" name="Picture 3"/>
+            <p:cNvPicPr>
+              <a:picLocks noChangeAspect="1"/>
+            </p:cNvPicPr>
+            <p:nvPr/>
+          </p:nvPicPr>
+          <p:blipFill>
+            <a:blip r:embed="rId2">
+              <a:extLst>
+                <a:ext uri="{28A0092B-C50C-407E-A947-70E740481C1C}">
+                  <a14:useLocalDpi xmlns:a14="http://schemas.microsoft.com/office/drawing/2010/main" val="0"/>
+                </a:ext>
+              </a:extLst>
+            </a:blip>
+            <a:stretch>
+              <a:fillRect/>
+            </a:stretch>
+          </p:blipFill>
+          <p:spPr>
+            <a:xfrm>
+              <a:off x="2867026" y="1003001"/>
+              <a:ext cx="6845300" cy="3352800"/>
+            </a:xfrm>
+            <a:prstGeom prst="rect">
+              <a:avLst/>
+            </a:prstGeom>
+          </p:spPr>
+        </p:pic>
+        <p:sp>
+          <p:nvSpPr>
+            <p:cNvPr id="5" name="Rectangle 4"/>
+            <p:cNvSpPr/>
+            <p:nvPr/>
+          </p:nvSpPr>
+          <p:spPr>
+            <a:xfrm>
+              <a:off x="3307975" y="3066124"/>
+              <a:ext cx="6377457" cy="659635"/>
+            </a:xfrm>
+            <a:prstGeom prst="rect">
+              <a:avLst/>
+            </a:prstGeom>
+            <a:noFill/>
+            <a:ln w="38100">
+              <a:solidFill>
+                <a:srgbClr val="FF0000"/>
+              </a:solidFill>
+            </a:ln>
+          </p:spPr>
+          <p:style>
+            <a:lnRef idx="2">
+              <a:schemeClr val="accent1">
+                <a:shade val="50000"/>
+              </a:schemeClr>
+            </a:lnRef>
+            <a:fillRef idx="1">
+              <a:schemeClr val="accent1"/>
+            </a:fillRef>
+            <a:effectRef idx="0">
+              <a:schemeClr val="accent1"/>
+            </a:effectRef>
+            <a:fontRef idx="minor">
+              <a:schemeClr val="lt1"/>
+            </a:fontRef>
+          </p:style>
+          <p:txBody>
+            <a:bodyPr rtlCol="0" anchor="ctr"/>
+            <a:lstStyle/>
+            <a:p>
+              <a:pPr algn="ctr"/>
+              <a:endParaRPr lang="en-US"/>
+            </a:p>
+          </p:txBody>
+        </p:sp>
+      </p:grpSp>
+    </p:spTree>
+    <p:extLst>
+      <p:ext uri="{BB962C8B-B14F-4D97-AF65-F5344CB8AC3E}">
+        <p14:creationId xmlns:p14="http://schemas.microsoft.com/office/powerpoint/2010/main" val="750388200"/>
+      </p:ext>
+    </p:extLst>
+  </p:cSld>
+  <p:clrMapOvr>
+    <a:masterClrMapping/>
+  </p:clrMapOvr>
+</p:sld>
+</file>
+
+<file path=ppt/slides/slide4.xml><?xml version="1.0" encoding="utf-8"?>
 <p:sld xmlns:a="http://schemas.openxmlformats.org/drawingml/2006/main" xmlns:r="http://schemas.openxmlformats.org/officeDocument/2006/relationships" xmlns:p="http://schemas.openxmlformats.org/presentationml/2006/main">
   <p:cSld>
     <p:spTree>
@@ -3365,7 +3487,7 @@
 </p:sld>
 </file>
 
-<file path=ppt/slides/slide4.xml><?xml version="1.0" encoding="utf-8"?>
+<file path=ppt/slides/slide5.xml><?xml version="1.0" encoding="utf-8"?>
 <p:sld xmlns:a="http://schemas.openxmlformats.org/drawingml/2006/main" xmlns:r="http://schemas.openxmlformats.org/officeDocument/2006/relationships" xmlns:p="http://schemas.openxmlformats.org/presentationml/2006/main">
   <p:cSld>
     <p:spTree>
@@ -3430,7 +3552,7 @@
 </p:sld>
 </file>
 
-<file path=ppt/slides/slide5.xml><?xml version="1.0" encoding="utf-8"?>
+<file path=ppt/slides/slide6.xml><?xml version="1.0" encoding="utf-8"?>
 <p:sld xmlns:a="http://schemas.openxmlformats.org/drawingml/2006/main" xmlns:r="http://schemas.openxmlformats.org/officeDocument/2006/relationships" xmlns:p="http://schemas.openxmlformats.org/presentationml/2006/main">
   <p:cSld>
     <p:spTree>
